--- a/clampfit_abf_standardization_nwb.pptx
+++ b/clampfit_abf_standardization_nwb.pptx
@@ -435,7 +435,7 @@
           <a:p>
             <a:fld id="{1F3EEC0A-E675-FE47-A26D-C7F2F3673B29}" type="datetimeFigureOut">
               <a:rPr lang="en-US" smtClean="0"/>
-              <a:t>5/30/25</a:t>
+              <a:t>2/4/26</a:t>
             </a:fld>
             <a:endParaRPr lang="en-US"/>
           </a:p>
@@ -633,7 +633,7 @@
           <a:p>
             <a:fld id="{1F3EEC0A-E675-FE47-A26D-C7F2F3673B29}" type="datetimeFigureOut">
               <a:rPr lang="en-US" smtClean="0"/>
-              <a:t>5/30/25</a:t>
+              <a:t>2/4/26</a:t>
             </a:fld>
             <a:endParaRPr lang="en-US"/>
           </a:p>
@@ -841,7 +841,7 @@
           <a:p>
             <a:fld id="{1F3EEC0A-E675-FE47-A26D-C7F2F3673B29}" type="datetimeFigureOut">
               <a:rPr lang="en-US" smtClean="0"/>
-              <a:t>5/30/25</a:t>
+              <a:t>2/4/26</a:t>
             </a:fld>
             <a:endParaRPr lang="en-US"/>
           </a:p>
@@ -1039,7 +1039,7 @@
           <a:p>
             <a:fld id="{1F3EEC0A-E675-FE47-A26D-C7F2F3673B29}" type="datetimeFigureOut">
               <a:rPr lang="en-US" smtClean="0"/>
-              <a:t>5/30/25</a:t>
+              <a:t>2/4/26</a:t>
             </a:fld>
             <a:endParaRPr lang="en-US"/>
           </a:p>
@@ -1314,7 +1314,7 @@
           <a:p>
             <a:fld id="{1F3EEC0A-E675-FE47-A26D-C7F2F3673B29}" type="datetimeFigureOut">
               <a:rPr lang="en-US" smtClean="0"/>
-              <a:t>5/30/25</a:t>
+              <a:t>2/4/26</a:t>
             </a:fld>
             <a:endParaRPr lang="en-US"/>
           </a:p>
@@ -1579,7 +1579,7 @@
           <a:p>
             <a:fld id="{1F3EEC0A-E675-FE47-A26D-C7F2F3673B29}" type="datetimeFigureOut">
               <a:rPr lang="en-US" smtClean="0"/>
-              <a:t>5/30/25</a:t>
+              <a:t>2/4/26</a:t>
             </a:fld>
             <a:endParaRPr lang="en-US"/>
           </a:p>
@@ -1991,7 +1991,7 @@
           <a:p>
             <a:fld id="{1F3EEC0A-E675-FE47-A26D-C7F2F3673B29}" type="datetimeFigureOut">
               <a:rPr lang="en-US" smtClean="0"/>
-              <a:t>5/30/25</a:t>
+              <a:t>2/4/26</a:t>
             </a:fld>
             <a:endParaRPr lang="en-US"/>
           </a:p>
@@ -2132,7 +2132,7 @@
           <a:p>
             <a:fld id="{1F3EEC0A-E675-FE47-A26D-C7F2F3673B29}" type="datetimeFigureOut">
               <a:rPr lang="en-US" smtClean="0"/>
-              <a:t>5/30/25</a:t>
+              <a:t>2/4/26</a:t>
             </a:fld>
             <a:endParaRPr lang="en-US"/>
           </a:p>
@@ -2245,7 +2245,7 @@
           <a:p>
             <a:fld id="{1F3EEC0A-E675-FE47-A26D-C7F2F3673B29}" type="datetimeFigureOut">
               <a:rPr lang="en-US" smtClean="0"/>
-              <a:t>5/30/25</a:t>
+              <a:t>2/4/26</a:t>
             </a:fld>
             <a:endParaRPr lang="en-US"/>
           </a:p>
@@ -2556,7 +2556,7 @@
           <a:p>
             <a:fld id="{1F3EEC0A-E675-FE47-A26D-C7F2F3673B29}" type="datetimeFigureOut">
               <a:rPr lang="en-US" smtClean="0"/>
-              <a:t>5/30/25</a:t>
+              <a:t>2/4/26</a:t>
             </a:fld>
             <a:endParaRPr lang="en-US"/>
           </a:p>
@@ -2844,7 +2844,7 @@
           <a:p>
             <a:fld id="{1F3EEC0A-E675-FE47-A26D-C7F2F3673B29}" type="datetimeFigureOut">
               <a:rPr lang="en-US" smtClean="0"/>
-              <a:t>5/30/25</a:t>
+              <a:t>2/4/26</a:t>
             </a:fld>
             <a:endParaRPr lang="en-US"/>
           </a:p>
@@ -3085,7 +3085,7 @@
           <a:p>
             <a:fld id="{1F3EEC0A-E675-FE47-A26D-C7F2F3673B29}" type="datetimeFigureOut">
               <a:rPr lang="en-US" smtClean="0"/>
-              <a:t>5/30/25</a:t>
+              <a:t>2/4/26</a:t>
             </a:fld>
             <a:endParaRPr lang="en-US"/>
           </a:p>
@@ -4224,7 +4224,7 @@
         </p:spPr>
         <p:txBody>
           <a:bodyPr>
-            <a:normAutofit fontScale="92500" lnSpcReduction="20000"/>
+            <a:normAutofit fontScale="85000" lnSpcReduction="20000"/>
           </a:bodyPr>
           <a:lstStyle/>
           <a:p>
@@ -4337,7 +4337,26 @@
             </a:r>
             <a:r>
               <a:rPr lang="en-US" sz="2000" dirty="0"/>
-              <a:t>="Mus musculus", </a:t>
+              <a:t>="Mus musculus",</a:t>
+            </a:r>
+          </a:p>
+          <a:p>
+            <a:pPr lvl="1"/>
+            <a:r>
+              <a:rPr lang="en-US" sz="2000" b="1" dirty="0"/>
+              <a:t>genotype</a:t>
+            </a:r>
+            <a:r>
+              <a:rPr lang="en-US" sz="2000" dirty="0"/>
+              <a:t>=“</a:t>
+            </a:r>
+            <a:r>
+              <a:rPr lang="en-US" sz="2000" dirty="0" err="1"/>
+              <a:t>Ntsr</a:t>
+            </a:r>
+            <a:r>
+              <a:rPr lang="en-US" sz="2000" dirty="0"/>
+              <a:t>-Cre”, </a:t>
             </a:r>
           </a:p>
           <a:p>
